--- a/presentation/presentation.pptx
+++ b/presentation/presentation.pptx
@@ -5,7 +5,7 @@
     <p:sldMasterId id="2147483648" r:id="rId1"/>
   </p:sldMasterIdLst>
   <p:notesMasterIdLst>
-    <p:notesMasterId r:id="rId20"/>
+    <p:notesMasterId r:id="rId21"/>
   </p:notesMasterIdLst>
   <p:sldIdLst>
     <p:sldId id="256" r:id="rId2"/>
@@ -26,16 +26,17 @@
     <p:sldId id="290" r:id="rId17"/>
     <p:sldId id="291" r:id="rId18"/>
     <p:sldId id="292" r:id="rId19"/>
+    <p:sldId id="296" r:id="rId20"/>
   </p:sldIdLst>
   <p:sldSz cx="9144000" cy="6858000" type="screen4x3"/>
   <p:notesSz cx="6858000" cy="9144000"/>
   <p:embeddedFontLst>
     <p:embeddedFont>
       <p:font typeface="Lato" panose="020F0502020204030203" pitchFamily="34" charset="0"/>
-      <p:regular r:id="rId21"/>
-      <p:bold r:id="rId22"/>
-      <p:italic r:id="rId23"/>
-      <p:boldItalic r:id="rId24"/>
+      <p:regular r:id="rId22"/>
+      <p:bold r:id="rId23"/>
+      <p:italic r:id="rId24"/>
+      <p:boldItalic r:id="rId25"/>
     </p:embeddedFont>
   </p:embeddedFontLst>
   <p:defaultTextStyle>
@@ -272,7 +273,7 @@
       <p15:sldGuideLst xmlns:p15="http://schemas.microsoft.com/office/powerpoint/2012/main"/>
     </p:ext>
     <p:ext uri="GoogleSlidesCustomDataVersion2">
-      <go:slidesCustomData xmlns:go="http://customooxmlschemas.google.com/" xmlns:ahyp="http://schemas.microsoft.com/office/drawing/2018/hyperlinkcolor" xmlns:p15="http://schemas.microsoft.com/office/powerpoint/2012/main" xmlns:p14="http://schemas.microsoft.com/office/powerpoint/2010/main" xmlns:com="http://schemas.openxmlformats.org/drawingml/2006/compatibility" xmlns:pvml="urn:schemas-microsoft-com:office:powerpoint" xmlns:v="urn:schemas-microsoft-com:vml" xmlns:o="urn:schemas-microsoft-com:office:office" xmlns:dgm="http://schemas.openxmlformats.org/drawingml/2006/diagram" xmlns:c="http://schemas.openxmlformats.org/drawingml/2006/chart" xmlns:mv="urn:schemas-microsoft-com:mac:vml" xmlns:mc="http://schemas.openxmlformats.org/markup-compatibility/2006" xmlns="" r:id="rId26" roundtripDataSignature="AMtx7mjdrbzDZ0wILnZNdt62Ob7GLgwd8w=="/>
+      <go:slidesCustomData xmlns="" xmlns:mc="http://schemas.openxmlformats.org/markup-compatibility/2006" xmlns:mv="urn:schemas-microsoft-com:mac:vml" xmlns:c="http://schemas.openxmlformats.org/drawingml/2006/chart" xmlns:dgm="http://schemas.openxmlformats.org/drawingml/2006/diagram" xmlns:o="urn:schemas-microsoft-com:office:office" xmlns:v="urn:schemas-microsoft-com:vml" xmlns:pvml="urn:schemas-microsoft-com:office:powerpoint" xmlns:com="http://schemas.openxmlformats.org/drawingml/2006/compatibility" xmlns:p14="http://schemas.microsoft.com/office/powerpoint/2010/main" xmlns:p15="http://schemas.microsoft.com/office/powerpoint/2012/main" xmlns:ahyp="http://schemas.microsoft.com/office/drawing/2018/hyperlinkcolor" xmlns:go="http://customooxmlschemas.google.com/" r:id="rId26" roundtripDataSignature="AMtx7mjdrbzDZ0wILnZNdt62Ob7GLgwd8w=="/>
     </p:ext>
   </p:extLst>
 </p:presentation>
@@ -16785,6 +16786,212 @@
     <p:extLst>
       <p:ext uri="{BB962C8B-B14F-4D97-AF65-F5344CB8AC3E}">
         <p14:creationId xmlns:p14="http://schemas.microsoft.com/office/powerpoint/2010/main" val="3992785898"/>
+      </p:ext>
+    </p:extLst>
+  </p:cSld>
+  <p:clrMapOvr>
+    <a:masterClrMapping/>
+  </p:clrMapOvr>
+</p:sld>
+</file>
+
+<file path=ppt/slides/slide19.xml><?xml version="1.0" encoding="utf-8"?>
+<p:sld xmlns:a="http://schemas.openxmlformats.org/drawingml/2006/main" xmlns:r="http://schemas.openxmlformats.org/officeDocument/2006/relationships" xmlns:p="http://schemas.openxmlformats.org/presentationml/2006/main">
+  <p:cSld>
+    <p:spTree>
+      <p:nvGrpSpPr>
+        <p:cNvPr id="1" name=""/>
+        <p:cNvGrpSpPr/>
+        <p:nvPr/>
+      </p:nvGrpSpPr>
+      <p:grpSpPr>
+        <a:xfrm>
+          <a:off x="0" y="0"/>
+          <a:ext cx="0" cy="0"/>
+          <a:chOff x="0" y="0"/>
+          <a:chExt cx="0" cy="0"/>
+        </a:xfrm>
+      </p:grpSpPr>
+      <p:sp>
+        <p:nvSpPr>
+          <p:cNvPr id="2" name="Slide Number Placeholder 1">
+            <a:extLst>
+              <a:ext uri="{FF2B5EF4-FFF2-40B4-BE49-F238E27FC236}">
+                <a16:creationId xmlns:a16="http://schemas.microsoft.com/office/drawing/2014/main" id="{202C38CF-4449-88D9-C6F4-23F8E9199684}"/>
+              </a:ext>
+            </a:extLst>
+          </p:cNvPr>
+          <p:cNvSpPr>
+            <a:spLocks noGrp="1"/>
+          </p:cNvSpPr>
+          <p:nvPr>
+            <p:ph type="sldNum" idx="12"/>
+          </p:nvPr>
+        </p:nvSpPr>
+        <p:spPr/>
+        <p:txBody>
+          <a:bodyPr/>
+          <a:lstStyle/>
+          <a:p>
+            <a:pPr marL="0" lvl="0" indent="0" algn="r" rtl="0">
+              <a:spcBef>
+                <a:spcPts val="0"/>
+              </a:spcBef>
+              <a:spcAft>
+                <a:spcPts val="0"/>
+              </a:spcAft>
+              <a:buNone/>
+            </a:pPr>
+            <a:fld id="{00000000-1234-1234-1234-123412341234}" type="slidenum">
+              <a:rPr lang="en-US" smtClean="0"/>
+              <a:t>19</a:t>
+            </a:fld>
+            <a:endParaRPr lang="en-US"/>
+          </a:p>
+        </p:txBody>
+      </p:sp>
+      <p:sp>
+        <p:nvSpPr>
+          <p:cNvPr id="3" name="Title 2">
+            <a:extLst>
+              <a:ext uri="{FF2B5EF4-FFF2-40B4-BE49-F238E27FC236}">
+                <a16:creationId xmlns:a16="http://schemas.microsoft.com/office/drawing/2014/main" id="{ED714570-B1D9-BFB2-779C-315CFC78AAB0}"/>
+              </a:ext>
+            </a:extLst>
+          </p:cNvPr>
+          <p:cNvSpPr>
+            <a:spLocks noGrp="1"/>
+          </p:cNvSpPr>
+          <p:nvPr>
+            <p:ph type="title"/>
+          </p:nvPr>
+        </p:nvSpPr>
+        <p:spPr/>
+        <p:txBody>
+          <a:bodyPr/>
+          <a:lstStyle/>
+          <a:p>
+            <a:r>
+              <a:rPr lang="en-US" dirty="0"/>
+              <a:t>5. Link video demo</a:t>
+            </a:r>
+          </a:p>
+        </p:txBody>
+      </p:sp>
+      <p:sp>
+        <p:nvSpPr>
+          <p:cNvPr id="7" name="Rectangle 3">
+            <a:extLst>
+              <a:ext uri="{FF2B5EF4-FFF2-40B4-BE49-F238E27FC236}">
+                <a16:creationId xmlns:a16="http://schemas.microsoft.com/office/drawing/2014/main" id="{5415F7C2-89DE-F9C4-E5D0-BDF3302450AA}"/>
+              </a:ext>
+            </a:extLst>
+          </p:cNvPr>
+          <p:cNvSpPr>
+            <a:spLocks noGrp="1" noChangeArrowheads="1"/>
+          </p:cNvSpPr>
+          <p:nvPr>
+            <p:ph type="body" idx="1"/>
+          </p:nvPr>
+        </p:nvSpPr>
+        <p:spPr bwMode="auto">
+          <a:xfrm>
+            <a:off x="234950" y="3344863"/>
+            <a:ext cx="8674100" cy="369887"/>
+          </a:xfrm>
+          <a:prstGeom prst="rect">
+            <a:avLst/>
+          </a:prstGeom>
+          <a:noFill/>
+          <a:ln>
+            <a:noFill/>
+          </a:ln>
+          <a:effectLst/>
+          <a:extLst>
+            <a:ext uri="{909E8E84-426E-40DD-AFC4-6F175D3DCCD1}">
+              <a14:hiddenFill xmlns:a14="http://schemas.microsoft.com/office/drawing/2010/main">
+                <a:solidFill>
+                  <a:schemeClr val="accent1"/>
+                </a:solidFill>
+              </a14:hiddenFill>
+            </a:ext>
+            <a:ext uri="{91240B29-F687-4F45-9708-019B960494DF}">
+              <a14:hiddenLine xmlns:a14="http://schemas.microsoft.com/office/drawing/2010/main" w="9525">
+                <a:solidFill>
+                  <a:schemeClr val="tx1"/>
+                </a:solidFill>
+                <a:miter lim="800000"/>
+                <a:headEnd/>
+                <a:tailEnd/>
+              </a14:hiddenLine>
+            </a:ext>
+            <a:ext uri="{AF507438-7753-43E0-B8FC-AC1667EBCBE1}">
+              <a14:hiddenEffects xmlns:a14="http://schemas.microsoft.com/office/drawing/2010/main">
+                <a:effectLst>
+                  <a:outerShdw dist="35921" dir="2700000" algn="ctr" rotWithShape="0">
+                    <a:schemeClr val="bg2"/>
+                  </a:outerShdw>
+                </a:effectLst>
+              </a14:hiddenEffects>
+            </a:ext>
+          </a:extLst>
+        </p:spPr>
+        <p:txBody>
+          <a:bodyPr vert="horz" wrap="square" lIns="91440" tIns="45720" rIns="91440" bIns="45720" numCol="1" anchor="ctr" anchorCtr="0" compatLnSpc="1">
+            <a:prstTxWarp prst="textNoShape">
+              <a:avLst/>
+            </a:prstTxWarp>
+            <a:spAutoFit/>
+          </a:bodyPr>
+          <a:lstStyle/>
+          <a:p>
+            <a:pPr marL="0" marR="0" lvl="0" indent="0" algn="l" defTabSz="914400" rtl="0" eaLnBrk="0" fontAlgn="base" latinLnBrk="0" hangingPunct="0">
+              <a:lnSpc>
+                <a:spcPct val="100000"/>
+              </a:lnSpc>
+              <a:spcBef>
+                <a:spcPct val="0"/>
+              </a:spcBef>
+              <a:spcAft>
+                <a:spcPct val="0"/>
+              </a:spcAft>
+              <a:buClrTx/>
+              <a:buSzTx/>
+              <a:buFontTx/>
+              <a:buNone/>
+              <a:tabLst/>
+            </a:pPr>
+            <a:r>
+              <a:rPr kumimoji="0" lang="en-US" altLang="en-US" sz="1800" b="0" i="0" u="none" strike="noStrike" cap="none" normalizeH="0" baseline="0">
+                <a:ln>
+                  <a:noFill/>
+                </a:ln>
+                <a:solidFill>
+                  <a:schemeClr val="tx1"/>
+                </a:solidFill>
+                <a:effectLst/>
+                <a:latin typeface="Arial" panose="020B0604020202020204" pitchFamily="34" charset="0"/>
+                <a:hlinkClick r:id="rId2"/>
+              </a:rPr>
+              <a:t>Call with LTHDT.20241-14-20241228_232713-Meeting Recording.mp4</a:t>
+            </a:r>
+            <a:endParaRPr kumimoji="0" lang="en-US" altLang="en-US" sz="1800" b="0" i="0" u="none" strike="noStrike" cap="none" normalizeH="0" baseline="0">
+              <a:ln>
+                <a:noFill/>
+              </a:ln>
+              <a:solidFill>
+                <a:schemeClr val="tx1"/>
+              </a:solidFill>
+              <a:effectLst/>
+              <a:latin typeface="Arial" panose="020B0604020202020204" pitchFamily="34" charset="0"/>
+            </a:endParaRPr>
+          </a:p>
+        </p:txBody>
+      </p:sp>
+    </p:spTree>
+    <p:extLst>
+      <p:ext uri="{BB962C8B-B14F-4D97-AF65-F5344CB8AC3E}">
+        <p14:creationId xmlns:p14="http://schemas.microsoft.com/office/powerpoint/2010/main" val="4172295835"/>
       </p:ext>
     </p:extLst>
   </p:cSld>
